--- a/slides/java-com-banco-de-dados.pptx
+++ b/slides/java-com-banco-de-dados.pptx
@@ -25333,10 +25333,10 @@
       </p:sp>
       <p:pic>
         <p:nvPicPr>
-          <p:cNvPr id="4" name="Imagem 3">
+          <p:cNvPr id="3" name="Imagem 2">
             <a:extLst>
               <a:ext uri="{FF2B5EF4-FFF2-40B4-BE49-F238E27FC236}">
-                <a16:creationId xmlns:a16="http://schemas.microsoft.com/office/drawing/2014/main" id="{0C9440A6-4C2C-4613-91E0-419086D6D390}"/>
+                <a16:creationId xmlns:a16="http://schemas.microsoft.com/office/drawing/2014/main" id="{13C3C0EB-9298-4C14-9593-4FE148B4B29F}"/>
               </a:ext>
             </a:extLst>
           </p:cNvPr>
@@ -25353,8 +25353,8 @@
         </p:blipFill>
         <p:spPr>
           <a:xfrm>
-            <a:off x="1378635" y="784779"/>
-            <a:ext cx="7139746" cy="5981410"/>
+            <a:off x="1378635" y="633072"/>
+            <a:ext cx="7291181" cy="6050348"/>
           </a:xfrm>
           <a:prstGeom prst="rect">
             <a:avLst/>
@@ -25666,10 +25666,10 @@
       </p:sp>
       <p:pic>
         <p:nvPicPr>
-          <p:cNvPr id="3" name="Imagem 2">
+          <p:cNvPr id="4" name="Imagem 3">
             <a:extLst>
               <a:ext uri="{FF2B5EF4-FFF2-40B4-BE49-F238E27FC236}">
-                <a16:creationId xmlns:a16="http://schemas.microsoft.com/office/drawing/2014/main" id="{9D256AFE-7506-4898-9713-50C365DF5FFD}"/>
+                <a16:creationId xmlns:a16="http://schemas.microsoft.com/office/drawing/2014/main" id="{3E17BF1B-B6BA-4901-9AD0-25AFFFE63F84}"/>
               </a:ext>
             </a:extLst>
           </p:cNvPr>
@@ -25686,8 +25686,8 @@
         </p:blipFill>
         <p:spPr>
           <a:xfrm>
-            <a:off x="777833" y="772013"/>
-            <a:ext cx="7901163" cy="5911383"/>
+            <a:off x="699561" y="733155"/>
+            <a:ext cx="8190612" cy="6033035"/>
           </a:xfrm>
           <a:prstGeom prst="rect">
             <a:avLst/>
